--- a/中越詩歌/主賜福如春雨_Phước Chúa như cơn mưa xuân.pptx
+++ b/中越詩歌/主賜福如春雨_Phước Chúa như cơn mưa xuân.pptx
@@ -115,6 +115,11 @@
       </a:defRPr>
     </a:lvl9pPr>
   </p:defaultTextStyle>
+  <p:extLst>
+    <p:ext uri="{EFAFB233-063F-42B5-8137-9DF3F51BA10A}">
+      <p15:sldGuideLst xmlns:p15="http://schemas.microsoft.com/office/powerpoint/2012/main"/>
+    </p:ext>
+  </p:extLst>
 </p:presentation>
 </file>
 
@@ -156,7 +161,7 @@
           <a:lstStyle/>
           <a:p>
             <a:r>
-              <a:rPr lang="en-US" altLang="zh-TW" smtClean="0"/>
+              <a:rPr lang="en-US" altLang="zh-TW"/>
               <a:t>Click to edit Master title style</a:t>
             </a:r>
             <a:endParaRPr lang="zh-TW" altLang="en-US"/>
@@ -275,7 +280,7 @@
           </a:lstStyle>
           <a:p>
             <a:r>
-              <a:rPr lang="en-US" altLang="zh-TW" smtClean="0"/>
+              <a:rPr lang="en-US" altLang="zh-TW"/>
               <a:t>Click to edit Master subtitle style</a:t>
             </a:r>
             <a:endParaRPr lang="zh-TW" altLang="en-US"/>
@@ -299,7 +304,7 @@
           <a:p>
             <a:fld id="{F89B28F4-D384-4A74-9DF0-D28669948C94}" type="datetimeFigureOut">
               <a:rPr lang="vi-VN" smtClean="0"/>
-              <a:t>01/02/2023</a:t>
+              <a:t>09/02/2024</a:t>
             </a:fld>
             <a:endParaRPr lang="vi-VN"/>
           </a:p>
@@ -393,7 +398,7 @@
           <a:lstStyle/>
           <a:p>
             <a:r>
-              <a:rPr lang="en-US" altLang="zh-TW" smtClean="0"/>
+              <a:rPr lang="en-US" altLang="zh-TW"/>
               <a:t>Click to edit Master title style</a:t>
             </a:r>
             <a:endParaRPr lang="zh-TW" altLang="en-US"/>
@@ -417,35 +422,35 @@
           <a:p>
             <a:pPr lvl="0"/>
             <a:r>
-              <a:rPr lang="en-US" altLang="zh-TW" smtClean="0"/>
+              <a:rPr lang="en-US" altLang="zh-TW"/>
               <a:t>Edit Master text styles</a:t>
             </a:r>
           </a:p>
           <a:p>
             <a:pPr lvl="1"/>
             <a:r>
-              <a:rPr lang="en-US" altLang="zh-TW" smtClean="0"/>
+              <a:rPr lang="en-US" altLang="zh-TW"/>
               <a:t>Second level</a:t>
             </a:r>
           </a:p>
           <a:p>
             <a:pPr lvl="2"/>
             <a:r>
-              <a:rPr lang="en-US" altLang="zh-TW" smtClean="0"/>
+              <a:rPr lang="en-US" altLang="zh-TW"/>
               <a:t>Third level</a:t>
             </a:r>
           </a:p>
           <a:p>
             <a:pPr lvl="3"/>
             <a:r>
-              <a:rPr lang="en-US" altLang="zh-TW" smtClean="0"/>
+              <a:rPr lang="en-US" altLang="zh-TW"/>
               <a:t>Fourth level</a:t>
             </a:r>
           </a:p>
           <a:p>
             <a:pPr lvl="4"/>
             <a:r>
-              <a:rPr lang="en-US" altLang="zh-TW" smtClean="0"/>
+              <a:rPr lang="en-US" altLang="zh-TW"/>
               <a:t>Fifth level</a:t>
             </a:r>
             <a:endParaRPr lang="zh-TW" altLang="en-US"/>
@@ -469,7 +474,7 @@
           <a:p>
             <a:fld id="{F89B28F4-D384-4A74-9DF0-D28669948C94}" type="datetimeFigureOut">
               <a:rPr lang="vi-VN" smtClean="0"/>
-              <a:t>01/02/2023</a:t>
+              <a:t>09/02/2024</a:t>
             </a:fld>
             <a:endParaRPr lang="vi-VN"/>
           </a:p>
@@ -568,7 +573,7 @@
           <a:lstStyle/>
           <a:p>
             <a:r>
-              <a:rPr lang="en-US" altLang="zh-TW" smtClean="0"/>
+              <a:rPr lang="en-US" altLang="zh-TW"/>
               <a:t>Click to edit Master title style</a:t>
             </a:r>
             <a:endParaRPr lang="zh-TW" altLang="en-US"/>
@@ -597,35 +602,35 @@
           <a:p>
             <a:pPr lvl="0"/>
             <a:r>
-              <a:rPr lang="en-US" altLang="zh-TW" smtClean="0"/>
+              <a:rPr lang="en-US" altLang="zh-TW"/>
               <a:t>Edit Master text styles</a:t>
             </a:r>
           </a:p>
           <a:p>
             <a:pPr lvl="1"/>
             <a:r>
-              <a:rPr lang="en-US" altLang="zh-TW" smtClean="0"/>
+              <a:rPr lang="en-US" altLang="zh-TW"/>
               <a:t>Second level</a:t>
             </a:r>
           </a:p>
           <a:p>
             <a:pPr lvl="2"/>
             <a:r>
-              <a:rPr lang="en-US" altLang="zh-TW" smtClean="0"/>
+              <a:rPr lang="en-US" altLang="zh-TW"/>
               <a:t>Third level</a:t>
             </a:r>
           </a:p>
           <a:p>
             <a:pPr lvl="3"/>
             <a:r>
-              <a:rPr lang="en-US" altLang="zh-TW" smtClean="0"/>
+              <a:rPr lang="en-US" altLang="zh-TW"/>
               <a:t>Fourth level</a:t>
             </a:r>
           </a:p>
           <a:p>
             <a:pPr lvl="4"/>
             <a:r>
-              <a:rPr lang="en-US" altLang="zh-TW" smtClean="0"/>
+              <a:rPr lang="en-US" altLang="zh-TW"/>
               <a:t>Fifth level</a:t>
             </a:r>
             <a:endParaRPr lang="zh-TW" altLang="en-US"/>
@@ -649,7 +654,7 @@
           <a:p>
             <a:fld id="{F89B28F4-D384-4A74-9DF0-D28669948C94}" type="datetimeFigureOut">
               <a:rPr lang="vi-VN" smtClean="0"/>
-              <a:t>01/02/2023</a:t>
+              <a:t>09/02/2024</a:t>
             </a:fld>
             <a:endParaRPr lang="vi-VN"/>
           </a:p>
@@ -743,7 +748,7 @@
           <a:lstStyle/>
           <a:p>
             <a:r>
-              <a:rPr lang="en-US" altLang="zh-TW" smtClean="0"/>
+              <a:rPr lang="en-US" altLang="zh-TW"/>
               <a:t>Click to edit Master title style</a:t>
             </a:r>
             <a:endParaRPr lang="zh-TW" altLang="en-US"/>
@@ -767,35 +772,35 @@
           <a:p>
             <a:pPr lvl="0"/>
             <a:r>
-              <a:rPr lang="en-US" altLang="zh-TW" smtClean="0"/>
+              <a:rPr lang="en-US" altLang="zh-TW"/>
               <a:t>Edit Master text styles</a:t>
             </a:r>
           </a:p>
           <a:p>
             <a:pPr lvl="1"/>
             <a:r>
-              <a:rPr lang="en-US" altLang="zh-TW" smtClean="0"/>
+              <a:rPr lang="en-US" altLang="zh-TW"/>
               <a:t>Second level</a:t>
             </a:r>
           </a:p>
           <a:p>
             <a:pPr lvl="2"/>
             <a:r>
-              <a:rPr lang="en-US" altLang="zh-TW" smtClean="0"/>
+              <a:rPr lang="en-US" altLang="zh-TW"/>
               <a:t>Third level</a:t>
             </a:r>
           </a:p>
           <a:p>
             <a:pPr lvl="3"/>
             <a:r>
-              <a:rPr lang="en-US" altLang="zh-TW" smtClean="0"/>
+              <a:rPr lang="en-US" altLang="zh-TW"/>
               <a:t>Fourth level</a:t>
             </a:r>
           </a:p>
           <a:p>
             <a:pPr lvl="4"/>
             <a:r>
-              <a:rPr lang="en-US" altLang="zh-TW" smtClean="0"/>
+              <a:rPr lang="en-US" altLang="zh-TW"/>
               <a:t>Fifth level</a:t>
             </a:r>
             <a:endParaRPr lang="zh-TW" altLang="en-US"/>
@@ -819,7 +824,7 @@
           <a:p>
             <a:fld id="{F89B28F4-D384-4A74-9DF0-D28669948C94}" type="datetimeFigureOut">
               <a:rPr lang="vi-VN" smtClean="0"/>
-              <a:t>01/02/2023</a:t>
+              <a:t>09/02/2024</a:t>
             </a:fld>
             <a:endParaRPr lang="vi-VN"/>
           </a:p>
@@ -922,7 +927,7 @@
           </a:lstStyle>
           <a:p>
             <a:r>
-              <a:rPr lang="en-US" altLang="zh-TW" smtClean="0"/>
+              <a:rPr lang="en-US" altLang="zh-TW"/>
               <a:t>Click to edit Master title style</a:t>
             </a:r>
             <a:endParaRPr lang="zh-TW" altLang="en-US"/>
@@ -1042,7 +1047,7 @@
           <a:p>
             <a:pPr lvl="0"/>
             <a:r>
-              <a:rPr lang="en-US" altLang="zh-TW" smtClean="0"/>
+              <a:rPr lang="en-US" altLang="zh-TW"/>
               <a:t>Edit Master text styles</a:t>
             </a:r>
           </a:p>
@@ -1065,7 +1070,7 @@
           <a:p>
             <a:fld id="{F89B28F4-D384-4A74-9DF0-D28669948C94}" type="datetimeFigureOut">
               <a:rPr lang="vi-VN" smtClean="0"/>
-              <a:t>01/02/2023</a:t>
+              <a:t>09/02/2024</a:t>
             </a:fld>
             <a:endParaRPr lang="vi-VN"/>
           </a:p>
@@ -1159,7 +1164,7 @@
           <a:lstStyle/>
           <a:p>
             <a:r>
-              <a:rPr lang="en-US" altLang="zh-TW" smtClean="0"/>
+              <a:rPr lang="en-US" altLang="zh-TW"/>
               <a:t>Click to edit Master title style</a:t>
             </a:r>
             <a:endParaRPr lang="zh-TW" altLang="en-US"/>
@@ -1216,35 +1221,35 @@
           <a:p>
             <a:pPr lvl="0"/>
             <a:r>
-              <a:rPr lang="en-US" altLang="zh-TW" smtClean="0"/>
+              <a:rPr lang="en-US" altLang="zh-TW"/>
               <a:t>Edit Master text styles</a:t>
             </a:r>
           </a:p>
           <a:p>
             <a:pPr lvl="1"/>
             <a:r>
-              <a:rPr lang="en-US" altLang="zh-TW" smtClean="0"/>
+              <a:rPr lang="en-US" altLang="zh-TW"/>
               <a:t>Second level</a:t>
             </a:r>
           </a:p>
           <a:p>
             <a:pPr lvl="2"/>
             <a:r>
-              <a:rPr lang="en-US" altLang="zh-TW" smtClean="0"/>
+              <a:rPr lang="en-US" altLang="zh-TW"/>
               <a:t>Third level</a:t>
             </a:r>
           </a:p>
           <a:p>
             <a:pPr lvl="3"/>
             <a:r>
-              <a:rPr lang="en-US" altLang="zh-TW" smtClean="0"/>
+              <a:rPr lang="en-US" altLang="zh-TW"/>
               <a:t>Fourth level</a:t>
             </a:r>
           </a:p>
           <a:p>
             <a:pPr lvl="4"/>
             <a:r>
-              <a:rPr lang="en-US" altLang="zh-TW" smtClean="0"/>
+              <a:rPr lang="en-US" altLang="zh-TW"/>
               <a:t>Fifth level</a:t>
             </a:r>
             <a:endParaRPr lang="zh-TW" altLang="en-US"/>
@@ -1301,35 +1306,35 @@
           <a:p>
             <a:pPr lvl="0"/>
             <a:r>
-              <a:rPr lang="en-US" altLang="zh-TW" smtClean="0"/>
+              <a:rPr lang="en-US" altLang="zh-TW"/>
               <a:t>Edit Master text styles</a:t>
             </a:r>
           </a:p>
           <a:p>
             <a:pPr lvl="1"/>
             <a:r>
-              <a:rPr lang="en-US" altLang="zh-TW" smtClean="0"/>
+              <a:rPr lang="en-US" altLang="zh-TW"/>
               <a:t>Second level</a:t>
             </a:r>
           </a:p>
           <a:p>
             <a:pPr lvl="2"/>
             <a:r>
-              <a:rPr lang="en-US" altLang="zh-TW" smtClean="0"/>
+              <a:rPr lang="en-US" altLang="zh-TW"/>
               <a:t>Third level</a:t>
             </a:r>
           </a:p>
           <a:p>
             <a:pPr lvl="3"/>
             <a:r>
-              <a:rPr lang="en-US" altLang="zh-TW" smtClean="0"/>
+              <a:rPr lang="en-US" altLang="zh-TW"/>
               <a:t>Fourth level</a:t>
             </a:r>
           </a:p>
           <a:p>
             <a:pPr lvl="4"/>
             <a:r>
-              <a:rPr lang="en-US" altLang="zh-TW" smtClean="0"/>
+              <a:rPr lang="en-US" altLang="zh-TW"/>
               <a:t>Fifth level</a:t>
             </a:r>
             <a:endParaRPr lang="zh-TW" altLang="en-US"/>
@@ -1353,7 +1358,7 @@
           <a:p>
             <a:fld id="{F89B28F4-D384-4A74-9DF0-D28669948C94}" type="datetimeFigureOut">
               <a:rPr lang="vi-VN" smtClean="0"/>
-              <a:t>01/02/2023</a:t>
+              <a:t>09/02/2024</a:t>
             </a:fld>
             <a:endParaRPr lang="vi-VN"/>
           </a:p>
@@ -1451,7 +1456,7 @@
           </a:lstStyle>
           <a:p>
             <a:r>
-              <a:rPr lang="en-US" altLang="zh-TW" smtClean="0"/>
+              <a:rPr lang="en-US" altLang="zh-TW"/>
               <a:t>Click to edit Master title style</a:t>
             </a:r>
             <a:endParaRPr lang="zh-TW" altLang="en-US"/>
@@ -1517,7 +1522,7 @@
           <a:p>
             <a:pPr lvl="0"/>
             <a:r>
-              <a:rPr lang="en-US" altLang="zh-TW" smtClean="0"/>
+              <a:rPr lang="en-US" altLang="zh-TW"/>
               <a:t>Edit Master text styles</a:t>
             </a:r>
           </a:p>
@@ -1573,35 +1578,35 @@
           <a:p>
             <a:pPr lvl="0"/>
             <a:r>
-              <a:rPr lang="en-US" altLang="zh-TW" smtClean="0"/>
+              <a:rPr lang="en-US" altLang="zh-TW"/>
               <a:t>Edit Master text styles</a:t>
             </a:r>
           </a:p>
           <a:p>
             <a:pPr lvl="1"/>
             <a:r>
-              <a:rPr lang="en-US" altLang="zh-TW" smtClean="0"/>
+              <a:rPr lang="en-US" altLang="zh-TW"/>
               <a:t>Second level</a:t>
             </a:r>
           </a:p>
           <a:p>
             <a:pPr lvl="2"/>
             <a:r>
-              <a:rPr lang="en-US" altLang="zh-TW" smtClean="0"/>
+              <a:rPr lang="en-US" altLang="zh-TW"/>
               <a:t>Third level</a:t>
             </a:r>
           </a:p>
           <a:p>
             <a:pPr lvl="3"/>
             <a:r>
-              <a:rPr lang="en-US" altLang="zh-TW" smtClean="0"/>
+              <a:rPr lang="en-US" altLang="zh-TW"/>
               <a:t>Fourth level</a:t>
             </a:r>
           </a:p>
           <a:p>
             <a:pPr lvl="4"/>
             <a:r>
-              <a:rPr lang="en-US" altLang="zh-TW" smtClean="0"/>
+              <a:rPr lang="en-US" altLang="zh-TW"/>
               <a:t>Fifth level</a:t>
             </a:r>
             <a:endParaRPr lang="zh-TW" altLang="en-US"/>
@@ -1667,7 +1672,7 @@
           <a:p>
             <a:pPr lvl="0"/>
             <a:r>
-              <a:rPr lang="en-US" altLang="zh-TW" smtClean="0"/>
+              <a:rPr lang="en-US" altLang="zh-TW"/>
               <a:t>Edit Master text styles</a:t>
             </a:r>
           </a:p>
@@ -1723,35 +1728,35 @@
           <a:p>
             <a:pPr lvl="0"/>
             <a:r>
-              <a:rPr lang="en-US" altLang="zh-TW" smtClean="0"/>
+              <a:rPr lang="en-US" altLang="zh-TW"/>
               <a:t>Edit Master text styles</a:t>
             </a:r>
           </a:p>
           <a:p>
             <a:pPr lvl="1"/>
             <a:r>
-              <a:rPr lang="en-US" altLang="zh-TW" smtClean="0"/>
+              <a:rPr lang="en-US" altLang="zh-TW"/>
               <a:t>Second level</a:t>
             </a:r>
           </a:p>
           <a:p>
             <a:pPr lvl="2"/>
             <a:r>
-              <a:rPr lang="en-US" altLang="zh-TW" smtClean="0"/>
+              <a:rPr lang="en-US" altLang="zh-TW"/>
               <a:t>Third level</a:t>
             </a:r>
           </a:p>
           <a:p>
             <a:pPr lvl="3"/>
             <a:r>
-              <a:rPr lang="en-US" altLang="zh-TW" smtClean="0"/>
+              <a:rPr lang="en-US" altLang="zh-TW"/>
               <a:t>Fourth level</a:t>
             </a:r>
           </a:p>
           <a:p>
             <a:pPr lvl="4"/>
             <a:r>
-              <a:rPr lang="en-US" altLang="zh-TW" smtClean="0"/>
+              <a:rPr lang="en-US" altLang="zh-TW"/>
               <a:t>Fifth level</a:t>
             </a:r>
             <a:endParaRPr lang="zh-TW" altLang="en-US"/>
@@ -1775,7 +1780,7 @@
           <a:p>
             <a:fld id="{F89B28F4-D384-4A74-9DF0-D28669948C94}" type="datetimeFigureOut">
               <a:rPr lang="vi-VN" smtClean="0"/>
-              <a:t>01/02/2023</a:t>
+              <a:t>09/02/2024</a:t>
             </a:fld>
             <a:endParaRPr lang="vi-VN"/>
           </a:p>
@@ -1869,7 +1874,7 @@
           <a:lstStyle/>
           <a:p>
             <a:r>
-              <a:rPr lang="en-US" altLang="zh-TW" smtClean="0"/>
+              <a:rPr lang="en-US" altLang="zh-TW"/>
               <a:t>Click to edit Master title style</a:t>
             </a:r>
             <a:endParaRPr lang="zh-TW" altLang="en-US"/>
@@ -1893,7 +1898,7 @@
           <a:p>
             <a:fld id="{F89B28F4-D384-4A74-9DF0-D28669948C94}" type="datetimeFigureOut">
               <a:rPr lang="vi-VN" smtClean="0"/>
-              <a:t>01/02/2023</a:t>
+              <a:t>09/02/2024</a:t>
             </a:fld>
             <a:endParaRPr lang="vi-VN"/>
           </a:p>
@@ -1988,7 +1993,7 @@
           <a:p>
             <a:fld id="{F89B28F4-D384-4A74-9DF0-D28669948C94}" type="datetimeFigureOut">
               <a:rPr lang="vi-VN" smtClean="0"/>
-              <a:t>01/02/2023</a:t>
+              <a:t>09/02/2024</a:t>
             </a:fld>
             <a:endParaRPr lang="vi-VN"/>
           </a:p>
@@ -2091,7 +2096,7 @@
           </a:lstStyle>
           <a:p>
             <a:r>
-              <a:rPr lang="en-US" altLang="zh-TW" smtClean="0"/>
+              <a:rPr lang="en-US" altLang="zh-TW"/>
               <a:t>Click to edit Master title style</a:t>
             </a:r>
             <a:endParaRPr lang="zh-TW" altLang="en-US"/>
@@ -2148,35 +2153,35 @@
           <a:p>
             <a:pPr lvl="0"/>
             <a:r>
-              <a:rPr lang="en-US" altLang="zh-TW" smtClean="0"/>
+              <a:rPr lang="en-US" altLang="zh-TW"/>
               <a:t>Edit Master text styles</a:t>
             </a:r>
           </a:p>
           <a:p>
             <a:pPr lvl="1"/>
             <a:r>
-              <a:rPr lang="en-US" altLang="zh-TW" smtClean="0"/>
+              <a:rPr lang="en-US" altLang="zh-TW"/>
               <a:t>Second level</a:t>
             </a:r>
           </a:p>
           <a:p>
             <a:pPr lvl="2"/>
             <a:r>
-              <a:rPr lang="en-US" altLang="zh-TW" smtClean="0"/>
+              <a:rPr lang="en-US" altLang="zh-TW"/>
               <a:t>Third level</a:t>
             </a:r>
           </a:p>
           <a:p>
             <a:pPr lvl="3"/>
             <a:r>
-              <a:rPr lang="en-US" altLang="zh-TW" smtClean="0"/>
+              <a:rPr lang="en-US" altLang="zh-TW"/>
               <a:t>Fourth level</a:t>
             </a:r>
           </a:p>
           <a:p>
             <a:pPr lvl="4"/>
             <a:r>
-              <a:rPr lang="en-US" altLang="zh-TW" smtClean="0"/>
+              <a:rPr lang="en-US" altLang="zh-TW"/>
               <a:t>Fifth level</a:t>
             </a:r>
             <a:endParaRPr lang="zh-TW" altLang="en-US"/>
@@ -2242,7 +2247,7 @@
           <a:p>
             <a:pPr lvl="0"/>
             <a:r>
-              <a:rPr lang="en-US" altLang="zh-TW" smtClean="0"/>
+              <a:rPr lang="en-US" altLang="zh-TW"/>
               <a:t>Edit Master text styles</a:t>
             </a:r>
           </a:p>
@@ -2265,7 +2270,7 @@
           <a:p>
             <a:fld id="{F89B28F4-D384-4A74-9DF0-D28669948C94}" type="datetimeFigureOut">
               <a:rPr lang="vi-VN" smtClean="0"/>
-              <a:t>01/02/2023</a:t>
+              <a:t>09/02/2024</a:t>
             </a:fld>
             <a:endParaRPr lang="vi-VN"/>
           </a:p>
@@ -2368,7 +2373,7 @@
           </a:lstStyle>
           <a:p>
             <a:r>
-              <a:rPr lang="en-US" altLang="zh-TW" smtClean="0"/>
+              <a:rPr lang="en-US" altLang="zh-TW"/>
               <a:t>Click to edit Master title style</a:t>
             </a:r>
             <a:endParaRPr lang="zh-TW" altLang="en-US"/>
@@ -2433,7 +2438,7 @@
           </a:lstStyle>
           <a:p>
             <a:r>
-              <a:rPr lang="en-US" altLang="zh-TW" smtClean="0"/>
+              <a:rPr lang="en-US" altLang="zh-TW"/>
               <a:t>Click icon to add picture</a:t>
             </a:r>
             <a:endParaRPr lang="zh-TW" altLang="en-US"/>
@@ -2499,7 +2504,7 @@
           <a:p>
             <a:pPr lvl="0"/>
             <a:r>
-              <a:rPr lang="en-US" altLang="zh-TW" smtClean="0"/>
+              <a:rPr lang="en-US" altLang="zh-TW"/>
               <a:t>Edit Master text styles</a:t>
             </a:r>
           </a:p>
@@ -2522,7 +2527,7 @@
           <a:p>
             <a:fld id="{F89B28F4-D384-4A74-9DF0-D28669948C94}" type="datetimeFigureOut">
               <a:rPr lang="vi-VN" smtClean="0"/>
-              <a:t>01/02/2023</a:t>
+              <a:t>09/02/2024</a:t>
             </a:fld>
             <a:endParaRPr lang="vi-VN"/>
           </a:p>
@@ -2636,10 +2641,9 @@
           <a:lstStyle/>
           <a:p>
             <a:r>
-              <a:rPr lang="zh-TW" altLang="en-US" smtClean="0"/>
+              <a:rPr lang="zh-TW" altLang="en-US"/>
               <a:t>按一下以編輯母片標題樣式</a:t>
             </a:r>
-            <a:endParaRPr lang="zh-TW" altLang="en-US"/>
           </a:p>
         </p:txBody>
       </p:sp>
@@ -2670,38 +2674,37 @@
           <a:p>
             <a:pPr lvl="0"/>
             <a:r>
-              <a:rPr lang="zh-TW" altLang="en-US" smtClean="0"/>
+              <a:rPr lang="zh-TW" altLang="en-US"/>
               <a:t>按一下以編輯母片文字樣式</a:t>
             </a:r>
           </a:p>
           <a:p>
             <a:pPr lvl="1"/>
             <a:r>
-              <a:rPr lang="zh-TW" altLang="en-US" smtClean="0"/>
+              <a:rPr lang="zh-TW" altLang="en-US"/>
               <a:t>第二層</a:t>
             </a:r>
           </a:p>
           <a:p>
             <a:pPr lvl="2"/>
             <a:r>
-              <a:rPr lang="zh-TW" altLang="en-US" smtClean="0"/>
+              <a:rPr lang="zh-TW" altLang="en-US"/>
               <a:t>第三層</a:t>
             </a:r>
           </a:p>
           <a:p>
             <a:pPr lvl="3"/>
             <a:r>
-              <a:rPr lang="zh-TW" altLang="en-US" smtClean="0"/>
+              <a:rPr lang="zh-TW" altLang="en-US"/>
               <a:t>第四層</a:t>
             </a:r>
           </a:p>
           <a:p>
             <a:pPr lvl="4"/>
             <a:r>
-              <a:rPr lang="zh-TW" altLang="en-US" smtClean="0"/>
+              <a:rPr lang="zh-TW" altLang="en-US"/>
               <a:t>第五層</a:t>
             </a:r>
-            <a:endParaRPr lang="zh-TW" altLang="en-US"/>
           </a:p>
         </p:txBody>
       </p:sp>
@@ -2740,7 +2743,7 @@
           <a:p>
             <a:fld id="{F89B28F4-D384-4A74-9DF0-D28669948C94}" type="datetimeFigureOut">
               <a:rPr lang="vi-VN" smtClean="0"/>
-              <a:t>01/02/2023</a:t>
+              <a:t>09/02/2024</a:t>
             </a:fld>
             <a:endParaRPr lang="vi-VN"/>
           </a:p>
@@ -3154,7 +3157,7 @@
           </a:lstStyle>
           <a:p>
             <a:r>
-              <a:rPr lang="zh-TW" altLang="en-US" sz="7200" b="1" i="1" dirty="0" smtClean="0">
+              <a:rPr lang="zh-TW" altLang="en-US" sz="7200" b="1" i="1" dirty="0">
                 <a:solidFill>
                   <a:srgbClr val="000066"/>
                 </a:solidFill>
@@ -3168,24 +3171,7 @@
                 <a:latin typeface="微軟正黑體" pitchFamily="34" charset="-120"/>
                 <a:ea typeface="微軟正黑體" pitchFamily="34" charset="-120"/>
               </a:rPr>
-              <a:t>主</a:t>
-            </a:r>
-            <a:r>
-              <a:rPr lang="zh-TW" altLang="en-US" sz="7200" b="1" i="1" dirty="0">
-                <a:solidFill>
-                  <a:srgbClr val="000066"/>
-                </a:solidFill>
-                <a:effectLst>
-                  <a:outerShdw blurRad="38100" dist="38100" dir="2700000" algn="tl">
-                    <a:srgbClr val="000000">
-                      <a:alpha val="43137"/>
-                    </a:srgbClr>
-                  </a:outerShdw>
-                </a:effectLst>
-                <a:latin typeface="微軟正黑體" pitchFamily="34" charset="-120"/>
-                <a:ea typeface="微軟正黑體" pitchFamily="34" charset="-120"/>
-              </a:rPr>
-              <a:t>賜福如春雨</a:t>
+              <a:t>主賜福如春雨</a:t>
             </a:r>
           </a:p>
         </p:txBody>
@@ -3229,7 +3215,7 @@
           </a:lstStyle>
           <a:p>
             <a:r>
-              <a:rPr lang="en-US" sz="4800" b="1" i="1" dirty="0" smtClean="0">
+              <a:rPr lang="en-US" sz="4800" b="1" i="1" dirty="0">
                 <a:solidFill>
                   <a:srgbClr val="660033"/>
                 </a:solidFill>
@@ -3247,7 +3233,7 @@
               <a:t> </a:t>
             </a:r>
             <a:r>
-              <a:rPr lang="en-US" sz="4800" b="1" i="1" dirty="0" err="1" smtClean="0">
+              <a:rPr lang="en-US" sz="4800" b="1" i="1" dirty="0" err="1">
                 <a:solidFill>
                   <a:srgbClr val="660033"/>
                 </a:solidFill>
@@ -3319,7 +3305,7 @@
               <a:t> </a:t>
             </a:r>
             <a:r>
-              <a:rPr lang="en-US" sz="4800" b="1" i="1" dirty="0" err="1" smtClean="0">
+              <a:rPr lang="en-US" sz="4800" b="1" i="1" dirty="0" err="1">
                 <a:solidFill>
                   <a:srgbClr val="660033"/>
                 </a:solidFill>
@@ -3337,7 +3323,7 @@
               <a:t>Chúa</a:t>
             </a:r>
             <a:r>
-              <a:rPr lang="en-US" sz="4800" b="1" i="1" dirty="0" smtClean="0">
+              <a:rPr lang="en-US" sz="4800" b="1" i="1" dirty="0">
                 <a:solidFill>
                   <a:srgbClr val="660033"/>
                 </a:solidFill>
@@ -3355,7 +3341,7 @@
               <a:t> </a:t>
             </a:r>
             <a:r>
-              <a:rPr lang="en-US" sz="4800" b="1" i="1" dirty="0" err="1" smtClean="0">
+              <a:rPr lang="en-US" sz="4800" b="1" i="1" dirty="0" err="1">
                 <a:solidFill>
                   <a:srgbClr val="660033"/>
                 </a:solidFill>
@@ -3373,7 +3359,7 @@
               <a:t>như</a:t>
             </a:r>
             <a:r>
-              <a:rPr lang="en-US" sz="4800" b="1" i="1" dirty="0" smtClean="0">
+              <a:rPr lang="en-US" sz="4800" b="1" i="1" dirty="0">
                 <a:solidFill>
                   <a:srgbClr val="660033"/>
                 </a:solidFill>
@@ -3845,14 +3831,6 @@
               </a:rPr>
               <a:t> </a:t>
             </a:r>
-            <a:endParaRPr lang="en-US" sz="4000" b="1" dirty="0">
-              <a:solidFill>
-                <a:srgbClr val="660033"/>
-              </a:solidFill>
-              <a:latin typeface="Calibri" panose="020F0502020204030204" pitchFamily="34" charset="0"/>
-              <a:ea typeface="微軟正黑體" pitchFamily="34" charset="-120"/>
-              <a:cs typeface="Calibri" panose="020F0502020204030204" pitchFamily="34" charset="0"/>
-            </a:endParaRPr>
           </a:p>
         </p:txBody>
       </p:sp>
@@ -3891,7 +3869,7 @@
               <a:t>( </a:t>
             </a:r>
             <a:r>
-              <a:rPr lang="zh-CN" altLang="en-US" sz="3600" b="1" dirty="0" smtClean="0">
+              <a:rPr lang="zh-CN" altLang="en-US" sz="3600" b="1" dirty="0">
                 <a:solidFill>
                   <a:srgbClr val="000066"/>
                 </a:solidFill>
@@ -3899,10 +3877,10 @@
                 <a:latin typeface="Microsoft JhengHei" panose="020B0604030504040204" pitchFamily="34" charset="-120"/>
                 <a:ea typeface="Microsoft JhengHei" panose="020B0604030504040204" pitchFamily="34" charset="-120"/>
               </a:rPr>
-              <a:t>副</a:t>
-            </a:r>
-            <a:r>
-              <a:rPr lang="en-US" sz="3600" b="1" dirty="0" smtClean="0">
+              <a:t>副歌</a:t>
+            </a:r>
+            <a:r>
+              <a:rPr lang="en-US" sz="3600" b="1" dirty="0">
                 <a:solidFill>
                   <a:srgbClr val="000066"/>
                 </a:solidFill>
@@ -3910,18 +3888,7 @@
                 <a:latin typeface="Microsoft JhengHei" panose="020B0604030504040204" pitchFamily="34" charset="-120"/>
                 <a:ea typeface="Microsoft JhengHei" panose="020B0604030504040204" pitchFamily="34" charset="-120"/>
               </a:rPr>
-              <a:t> </a:t>
-            </a:r>
-            <a:r>
-              <a:rPr lang="en-US" sz="3600" b="1" dirty="0">
-                <a:solidFill>
-                  <a:srgbClr val="000066"/>
-                </a:solidFill>
-                <a:effectLst/>
-                <a:latin typeface="Microsoft JhengHei" panose="020B0604030504040204" pitchFamily="34" charset="-120"/>
-                <a:ea typeface="Microsoft JhengHei" panose="020B0604030504040204" pitchFamily="34" charset="-120"/>
-              </a:rPr>
-              <a:t>)</a:t>
+              <a:t> )</a:t>
             </a:r>
             <a:endParaRPr lang="vi-VN" sz="3600" b="1" dirty="0">
               <a:solidFill>
@@ -3996,27 +3963,7 @@
                 <a:latin typeface="微軟正黑體" pitchFamily="34" charset="-120"/>
                 <a:ea typeface="微軟正黑體" pitchFamily="34" charset="-120"/>
               </a:rPr>
-              <a:t>而主將賜</a:t>
-            </a:r>
-            <a:r>
-              <a:rPr lang="zh-TW" altLang="en-US" sz="6400" b="1" dirty="0" smtClean="0">
-                <a:solidFill>
-                  <a:srgbClr val="000066"/>
-                </a:solidFill>
-                <a:latin typeface="微軟正黑體" pitchFamily="34" charset="-120"/>
-                <a:ea typeface="微軟正黑體" pitchFamily="34" charset="-120"/>
-              </a:rPr>
-              <a:t>下  賜下  主</a:t>
-            </a:r>
-            <a:r>
-              <a:rPr lang="zh-TW" altLang="en-US" sz="6400" b="1" dirty="0">
-                <a:solidFill>
-                  <a:srgbClr val="000066"/>
-                </a:solidFill>
-                <a:latin typeface="微軟正黑體" pitchFamily="34" charset="-120"/>
-                <a:ea typeface="微軟正黑體" pitchFamily="34" charset="-120"/>
-              </a:rPr>
-              <a:t>的恩典</a:t>
+              <a:t>而主將賜下  賜下  主的恩典</a:t>
             </a:r>
             <a:endParaRPr lang="en-US" altLang="zh-CN" sz="6400" b="1" dirty="0">
               <a:solidFill>
@@ -4316,7 +4263,7 @@
               <a:t>( </a:t>
             </a:r>
             <a:r>
-              <a:rPr lang="zh-CN" altLang="en-US" sz="3600" b="1" dirty="0" smtClean="0">
+              <a:rPr lang="zh-CN" altLang="en-US" sz="3600" b="1" dirty="0">
                 <a:solidFill>
                   <a:srgbClr val="000066"/>
                 </a:solidFill>
@@ -4324,10 +4271,10 @@
                 <a:latin typeface="Microsoft JhengHei" panose="020B0604030504040204" pitchFamily="34" charset="-120"/>
                 <a:ea typeface="Microsoft JhengHei" panose="020B0604030504040204" pitchFamily="34" charset="-120"/>
               </a:rPr>
-              <a:t>副</a:t>
-            </a:r>
-            <a:r>
-              <a:rPr lang="en-US" sz="3600" b="1" dirty="0" smtClean="0">
+              <a:t>副歌</a:t>
+            </a:r>
+            <a:r>
+              <a:rPr lang="en-US" sz="3600" b="1" dirty="0">
                 <a:solidFill>
                   <a:srgbClr val="000066"/>
                 </a:solidFill>
@@ -4335,18 +4282,7 @@
                 <a:latin typeface="Microsoft JhengHei" panose="020B0604030504040204" pitchFamily="34" charset="-120"/>
                 <a:ea typeface="Microsoft JhengHei" panose="020B0604030504040204" pitchFamily="34" charset="-120"/>
               </a:rPr>
-              <a:t> </a:t>
-            </a:r>
-            <a:r>
-              <a:rPr lang="en-US" sz="3600" b="1" dirty="0">
-                <a:solidFill>
-                  <a:srgbClr val="000066"/>
-                </a:solidFill>
-                <a:effectLst/>
-                <a:latin typeface="Microsoft JhengHei" panose="020B0604030504040204" pitchFamily="34" charset="-120"/>
-                <a:ea typeface="Microsoft JhengHei" panose="020B0604030504040204" pitchFamily="34" charset="-120"/>
-              </a:rPr>
-              <a:t>)</a:t>
+              <a:t> )</a:t>
             </a:r>
             <a:endParaRPr lang="vi-VN" sz="3600" b="1" dirty="0">
               <a:solidFill>
@@ -4740,7 +4676,7 @@
               <a:t>( </a:t>
             </a:r>
             <a:r>
-              <a:rPr lang="zh-CN" altLang="en-US" sz="3600" b="1" dirty="0" smtClean="0">
+              <a:rPr lang="zh-CN" altLang="en-US" sz="3600" b="1" dirty="0">
                 <a:solidFill>
                   <a:srgbClr val="000066"/>
                 </a:solidFill>
@@ -4748,10 +4684,10 @@
                 <a:latin typeface="Microsoft JhengHei" panose="020B0604030504040204" pitchFamily="34" charset="-120"/>
                 <a:ea typeface="Microsoft JhengHei" panose="020B0604030504040204" pitchFamily="34" charset="-120"/>
               </a:rPr>
-              <a:t>副</a:t>
-            </a:r>
-            <a:r>
-              <a:rPr lang="en-US" sz="3600" b="1" dirty="0" smtClean="0">
+              <a:t>副歌</a:t>
+            </a:r>
+            <a:r>
+              <a:rPr lang="en-US" sz="3600" b="1">
                 <a:solidFill>
                   <a:srgbClr val="000066"/>
                 </a:solidFill>
@@ -4759,18 +4695,7 @@
                 <a:latin typeface="Microsoft JhengHei" panose="020B0604030504040204" pitchFamily="34" charset="-120"/>
                 <a:ea typeface="Microsoft JhengHei" panose="020B0604030504040204" pitchFamily="34" charset="-120"/>
               </a:rPr>
-              <a:t> </a:t>
-            </a:r>
-            <a:r>
-              <a:rPr lang="en-US" sz="3600" b="1" dirty="0">
-                <a:solidFill>
-                  <a:srgbClr val="000066"/>
-                </a:solidFill>
-                <a:effectLst/>
-                <a:latin typeface="Microsoft JhengHei" panose="020B0604030504040204" pitchFamily="34" charset="-120"/>
-                <a:ea typeface="Microsoft JhengHei" panose="020B0604030504040204" pitchFamily="34" charset="-120"/>
-              </a:rPr>
-              <a:t>)</a:t>
+              <a:t> )</a:t>
             </a:r>
             <a:endParaRPr lang="vi-VN" sz="3600" b="1" dirty="0">
               <a:solidFill>
@@ -4838,24 +4763,14 @@
               <a:buNone/>
             </a:pPr>
             <a:r>
-              <a:rPr lang="zh-TW" altLang="en-US" sz="6400" b="1" dirty="0" smtClean="0">
+              <a:rPr lang="zh-TW" altLang="en-US" sz="6400" b="1" dirty="0">
                 <a:solidFill>
                   <a:srgbClr val="000066"/>
                 </a:solidFill>
                 <a:latin typeface="微軟正黑體" pitchFamily="34" charset="-120"/>
                 <a:ea typeface="微軟正黑體" pitchFamily="34" charset="-120"/>
               </a:rPr>
-              <a:t>主</a:t>
-            </a:r>
-            <a:r>
-              <a:rPr lang="zh-TW" altLang="en-US" sz="6400" b="1" dirty="0">
-                <a:solidFill>
-                  <a:srgbClr val="000066"/>
-                </a:solidFill>
-                <a:latin typeface="微軟正黑體" pitchFamily="34" charset="-120"/>
-                <a:ea typeface="微軟正黑體" pitchFamily="34" charset="-120"/>
-              </a:rPr>
-              <a:t>賜的福如春雨</a:t>
+              <a:t>主賜的福如春雨</a:t>
             </a:r>
             <a:endParaRPr lang="en-US" altLang="zh-CN" sz="6400" b="1" dirty="0">
               <a:solidFill>
@@ -5030,7 +4945,7 @@
               <a:buNone/>
             </a:pPr>
             <a:r>
-              <a:rPr lang="en-US" sz="4000" b="1" dirty="0" err="1" smtClean="0">
+              <a:rPr lang="en-US" sz="4000" b="1" dirty="0" err="1">
                 <a:solidFill>
                   <a:srgbClr val="660033"/>
                 </a:solidFill>
@@ -5041,17 +4956,6 @@
               <a:t>Ngài</a:t>
             </a:r>
             <a:r>
-              <a:rPr lang="en-US" sz="4000" b="1" dirty="0" smtClean="0">
-                <a:solidFill>
-                  <a:srgbClr val="660033"/>
-                </a:solidFill>
-                <a:latin typeface="Calibri" panose="020F0502020204030204" pitchFamily="34" charset="0"/>
-                <a:ea typeface="微軟正黑體" pitchFamily="34" charset="-120"/>
-                <a:cs typeface="Calibri" panose="020F0502020204030204" pitchFamily="34" charset="0"/>
-              </a:rPr>
-              <a:t> </a:t>
-            </a:r>
-            <a:r>
               <a:rPr lang="en-US" sz="4000" b="1" dirty="0">
                 <a:solidFill>
                   <a:srgbClr val="660033"/>
@@ -5060,7 +4964,7 @@
                 <a:ea typeface="微軟正黑體" pitchFamily="34" charset="-120"/>
                 <a:cs typeface="Calibri" panose="020F0502020204030204" pitchFamily="34" charset="0"/>
               </a:rPr>
-              <a:t>ban </a:t>
+              <a:t> ban </a:t>
             </a:r>
             <a:r>
               <a:rPr lang="en-US" sz="4000" b="1" dirty="0" err="1">
@@ -5207,7 +5111,7 @@
               <a:t>( </a:t>
             </a:r>
             <a:r>
-              <a:rPr lang="zh-CN" altLang="en-US" sz="3600" b="1" dirty="0" smtClean="0">
+              <a:rPr lang="zh-CN" altLang="en-US" sz="3600" b="1" dirty="0">
                 <a:solidFill>
                   <a:srgbClr val="000066"/>
                 </a:solidFill>
@@ -5215,10 +5119,10 @@
                 <a:latin typeface="Microsoft JhengHei" panose="020B0604030504040204" pitchFamily="34" charset="-120"/>
                 <a:ea typeface="Microsoft JhengHei" panose="020B0604030504040204" pitchFamily="34" charset="-120"/>
               </a:rPr>
-              <a:t>正</a:t>
-            </a:r>
-            <a:r>
-              <a:rPr lang="en-US" sz="3600" b="1" dirty="0" smtClean="0">
+              <a:t>正歌</a:t>
+            </a:r>
+            <a:r>
+              <a:rPr lang="en-US" sz="3600" b="1" dirty="0">
                 <a:solidFill>
                   <a:srgbClr val="000066"/>
                 </a:solidFill>
@@ -5226,18 +5130,7 @@
                 <a:latin typeface="Microsoft JhengHei" panose="020B0604030504040204" pitchFamily="34" charset="-120"/>
                 <a:ea typeface="Microsoft JhengHei" panose="020B0604030504040204" pitchFamily="34" charset="-120"/>
               </a:rPr>
-              <a:t> </a:t>
-            </a:r>
-            <a:r>
-              <a:rPr lang="en-US" sz="3600" b="1" dirty="0">
-                <a:solidFill>
-                  <a:srgbClr val="000066"/>
-                </a:solidFill>
-                <a:effectLst/>
-                <a:latin typeface="Microsoft JhengHei" panose="020B0604030504040204" pitchFamily="34" charset="-120"/>
-                <a:ea typeface="Microsoft JhengHei" panose="020B0604030504040204" pitchFamily="34" charset="-120"/>
-              </a:rPr>
-              <a:t>)</a:t>
+              <a:t> )</a:t>
             </a:r>
             <a:endParaRPr lang="vi-VN" sz="3600" b="1" dirty="0">
               <a:solidFill>
@@ -5642,7 +5535,7 @@
               <a:t>( </a:t>
             </a:r>
             <a:r>
-              <a:rPr lang="zh-CN" altLang="en-US" sz="3600" b="1" dirty="0" smtClean="0">
+              <a:rPr lang="zh-CN" altLang="en-US" sz="3600" b="1" dirty="0">
                 <a:solidFill>
                   <a:srgbClr val="000066"/>
                 </a:solidFill>
@@ -5650,10 +5543,10 @@
                 <a:latin typeface="Microsoft JhengHei" panose="020B0604030504040204" pitchFamily="34" charset="-120"/>
                 <a:ea typeface="Microsoft JhengHei" panose="020B0604030504040204" pitchFamily="34" charset="-120"/>
               </a:rPr>
-              <a:t>正</a:t>
-            </a:r>
-            <a:r>
-              <a:rPr lang="en-US" sz="3600" b="1" dirty="0" smtClean="0">
+              <a:t>正歌</a:t>
+            </a:r>
+            <a:r>
+              <a:rPr lang="en-US" sz="3600" b="1" dirty="0">
                 <a:solidFill>
                   <a:srgbClr val="000066"/>
                 </a:solidFill>
@@ -5661,18 +5554,7 @@
                 <a:latin typeface="Microsoft JhengHei" panose="020B0604030504040204" pitchFamily="34" charset="-120"/>
                 <a:ea typeface="Microsoft JhengHei" panose="020B0604030504040204" pitchFamily="34" charset="-120"/>
               </a:rPr>
-              <a:t> </a:t>
-            </a:r>
-            <a:r>
-              <a:rPr lang="en-US" sz="3600" b="1" dirty="0">
-                <a:solidFill>
-                  <a:srgbClr val="000066"/>
-                </a:solidFill>
-                <a:effectLst/>
-                <a:latin typeface="Microsoft JhengHei" panose="020B0604030504040204" pitchFamily="34" charset="-120"/>
-                <a:ea typeface="Microsoft JhengHei" panose="020B0604030504040204" pitchFamily="34" charset="-120"/>
-              </a:rPr>
-              <a:t>)</a:t>
+              <a:t> )</a:t>
             </a:r>
             <a:endParaRPr lang="vi-VN" sz="3600" b="1" dirty="0">
               <a:solidFill>
@@ -6088,7 +5970,7 @@
               <a:t>( </a:t>
             </a:r>
             <a:r>
-              <a:rPr lang="zh-CN" altLang="en-US" sz="3600" b="1" dirty="0" smtClean="0">
+              <a:rPr lang="zh-CN" altLang="en-US" sz="3600" b="1" dirty="0">
                 <a:solidFill>
                   <a:srgbClr val="000066"/>
                 </a:solidFill>
@@ -6096,10 +5978,10 @@
                 <a:latin typeface="Microsoft JhengHei" panose="020B0604030504040204" pitchFamily="34" charset="-120"/>
                 <a:ea typeface="Microsoft JhengHei" panose="020B0604030504040204" pitchFamily="34" charset="-120"/>
               </a:rPr>
-              <a:t>正</a:t>
-            </a:r>
-            <a:r>
-              <a:rPr lang="en-US" sz="3600" b="1" dirty="0" smtClean="0">
+              <a:t>正歌</a:t>
+            </a:r>
+            <a:r>
+              <a:rPr lang="en-US" sz="3600" b="1" dirty="0">
                 <a:solidFill>
                   <a:srgbClr val="000066"/>
                 </a:solidFill>
@@ -6107,18 +5989,7 @@
                 <a:latin typeface="Microsoft JhengHei" panose="020B0604030504040204" pitchFamily="34" charset="-120"/>
                 <a:ea typeface="Microsoft JhengHei" panose="020B0604030504040204" pitchFamily="34" charset="-120"/>
               </a:rPr>
-              <a:t> </a:t>
-            </a:r>
-            <a:r>
-              <a:rPr lang="en-US" sz="3600" b="1" dirty="0">
-                <a:solidFill>
-                  <a:srgbClr val="000066"/>
-                </a:solidFill>
-                <a:effectLst/>
-                <a:latin typeface="Microsoft JhengHei" panose="020B0604030504040204" pitchFamily="34" charset="-120"/>
-                <a:ea typeface="Microsoft JhengHei" panose="020B0604030504040204" pitchFamily="34" charset="-120"/>
-              </a:rPr>
-              <a:t>)</a:t>
+              <a:t> )</a:t>
             </a:r>
             <a:endParaRPr lang="vi-VN" sz="3600" b="1" dirty="0">
               <a:solidFill>
@@ -6537,7 +6408,7 @@
               <a:t>( </a:t>
             </a:r>
             <a:r>
-              <a:rPr lang="zh-CN" altLang="en-US" sz="3600" b="1" dirty="0" smtClean="0">
+              <a:rPr lang="zh-CN" altLang="en-US" sz="3600" b="1" dirty="0">
                 <a:solidFill>
                   <a:srgbClr val="000066"/>
                 </a:solidFill>
@@ -6545,10 +6416,10 @@
                 <a:latin typeface="Microsoft JhengHei" panose="020B0604030504040204" pitchFamily="34" charset="-120"/>
                 <a:ea typeface="Microsoft JhengHei" panose="020B0604030504040204" pitchFamily="34" charset="-120"/>
               </a:rPr>
-              <a:t>正</a:t>
-            </a:r>
-            <a:r>
-              <a:rPr lang="en-US" sz="3600" b="1" dirty="0" smtClean="0">
+              <a:t>正歌</a:t>
+            </a:r>
+            <a:r>
+              <a:rPr lang="en-US" sz="3600" b="1" dirty="0">
                 <a:solidFill>
                   <a:srgbClr val="000066"/>
                 </a:solidFill>
@@ -6556,18 +6427,7 @@
                 <a:latin typeface="Microsoft JhengHei" panose="020B0604030504040204" pitchFamily="34" charset="-120"/>
                 <a:ea typeface="Microsoft JhengHei" panose="020B0604030504040204" pitchFamily="34" charset="-120"/>
               </a:rPr>
-              <a:t> </a:t>
-            </a:r>
-            <a:r>
-              <a:rPr lang="en-US" sz="3600" b="1" dirty="0">
-                <a:solidFill>
-                  <a:srgbClr val="000066"/>
-                </a:solidFill>
-                <a:effectLst/>
-                <a:latin typeface="Microsoft JhengHei" panose="020B0604030504040204" pitchFamily="34" charset="-120"/>
-                <a:ea typeface="Microsoft JhengHei" panose="020B0604030504040204" pitchFamily="34" charset="-120"/>
-              </a:rPr>
-              <a:t>)</a:t>
+              <a:t> )</a:t>
             </a:r>
             <a:endParaRPr lang="vi-VN" sz="3600" b="1" dirty="0">
               <a:solidFill>
@@ -6635,24 +6495,14 @@
               <a:buNone/>
             </a:pPr>
             <a:r>
-              <a:rPr lang="zh-TW" altLang="en-US" sz="6400" b="1" dirty="0" smtClean="0">
+              <a:rPr lang="zh-TW" altLang="en-US" sz="6400" b="1" dirty="0">
                 <a:solidFill>
                   <a:srgbClr val="000066"/>
                 </a:solidFill>
                 <a:latin typeface="微軟正黑體" pitchFamily="34" charset="-120"/>
                 <a:ea typeface="微軟正黑體" pitchFamily="34" charset="-120"/>
               </a:rPr>
-              <a:t>讓</a:t>
-            </a:r>
-            <a:r>
-              <a:rPr lang="zh-TW" altLang="en-US" sz="6400" b="1" dirty="0">
-                <a:solidFill>
-                  <a:srgbClr val="000066"/>
-                </a:solidFill>
-                <a:latin typeface="微軟正黑體" pitchFamily="34" charset="-120"/>
-                <a:ea typeface="微軟正黑體" pitchFamily="34" charset="-120"/>
-              </a:rPr>
-              <a:t>我們張開讚美的口</a:t>
+              <a:t>讓我們張開讚美的口</a:t>
             </a:r>
             <a:endParaRPr lang="en-US" altLang="zh-CN" sz="6400" b="1" dirty="0">
               <a:solidFill>
@@ -7015,7 +6865,7 @@
               <a:t>( </a:t>
             </a:r>
             <a:r>
-              <a:rPr lang="zh-CN" altLang="en-US" sz="3600" b="1" dirty="0" smtClean="0">
+              <a:rPr lang="zh-CN" altLang="en-US" sz="3600" b="1" dirty="0">
                 <a:solidFill>
                   <a:srgbClr val="000066"/>
                 </a:solidFill>
@@ -7023,10 +6873,10 @@
                 <a:latin typeface="Microsoft JhengHei" panose="020B0604030504040204" pitchFamily="34" charset="-120"/>
                 <a:ea typeface="Microsoft JhengHei" panose="020B0604030504040204" pitchFamily="34" charset="-120"/>
               </a:rPr>
-              <a:t>前副</a:t>
-            </a:r>
-            <a:r>
-              <a:rPr lang="en-US" sz="3600" b="1" dirty="0" smtClean="0">
+              <a:t>前副歌</a:t>
+            </a:r>
+            <a:r>
+              <a:rPr lang="en-US" sz="3600" b="1" dirty="0">
                 <a:solidFill>
                   <a:srgbClr val="000066"/>
                 </a:solidFill>
@@ -7034,18 +6884,7 @@
                 <a:latin typeface="Microsoft JhengHei" panose="020B0604030504040204" pitchFamily="34" charset="-120"/>
                 <a:ea typeface="Microsoft JhengHei" panose="020B0604030504040204" pitchFamily="34" charset="-120"/>
               </a:rPr>
-              <a:t> </a:t>
-            </a:r>
-            <a:r>
-              <a:rPr lang="en-US" sz="3600" b="1" dirty="0">
-                <a:solidFill>
-                  <a:srgbClr val="000066"/>
-                </a:solidFill>
-                <a:effectLst/>
-                <a:latin typeface="Microsoft JhengHei" panose="020B0604030504040204" pitchFamily="34" charset="-120"/>
-                <a:ea typeface="Microsoft JhengHei" panose="020B0604030504040204" pitchFamily="34" charset="-120"/>
-              </a:rPr>
-              <a:t>)</a:t>
+              <a:t> )</a:t>
             </a:r>
             <a:endParaRPr lang="vi-VN" sz="3600" b="1" dirty="0">
               <a:solidFill>
@@ -7461,7 +7300,7 @@
               <a:t>( </a:t>
             </a:r>
             <a:r>
-              <a:rPr lang="zh-CN" altLang="en-US" sz="3600" b="1" dirty="0" smtClean="0">
+              <a:rPr lang="zh-CN" altLang="en-US" sz="3600" b="1" dirty="0">
                 <a:solidFill>
                   <a:srgbClr val="000066"/>
                 </a:solidFill>
@@ -7469,10 +7308,10 @@
                 <a:latin typeface="Microsoft JhengHei" panose="020B0604030504040204" pitchFamily="34" charset="-120"/>
                 <a:ea typeface="Microsoft JhengHei" panose="020B0604030504040204" pitchFamily="34" charset="-120"/>
               </a:rPr>
-              <a:t>前副</a:t>
-            </a:r>
-            <a:r>
-              <a:rPr lang="en-US" sz="3600" b="1" dirty="0" smtClean="0">
+              <a:t>前副歌</a:t>
+            </a:r>
+            <a:r>
+              <a:rPr lang="en-US" sz="3600" b="1" dirty="0">
                 <a:solidFill>
                   <a:srgbClr val="000066"/>
                 </a:solidFill>
@@ -7480,18 +7319,7 @@
                 <a:latin typeface="Microsoft JhengHei" panose="020B0604030504040204" pitchFamily="34" charset="-120"/>
                 <a:ea typeface="Microsoft JhengHei" panose="020B0604030504040204" pitchFamily="34" charset="-120"/>
               </a:rPr>
-              <a:t> </a:t>
-            </a:r>
-            <a:r>
-              <a:rPr lang="en-US" sz="3600" b="1" dirty="0">
-                <a:solidFill>
-                  <a:srgbClr val="000066"/>
-                </a:solidFill>
-                <a:effectLst/>
-                <a:latin typeface="Microsoft JhengHei" panose="020B0604030504040204" pitchFamily="34" charset="-120"/>
-                <a:ea typeface="Microsoft JhengHei" panose="020B0604030504040204" pitchFamily="34" charset="-120"/>
-              </a:rPr>
-              <a:t>)</a:t>
+              <a:t> )</a:t>
             </a:r>
             <a:endParaRPr lang="vi-VN" sz="3600" b="1" dirty="0">
               <a:solidFill>
@@ -7848,27 +7676,8 @@
                 <a:ea typeface="微軟正黑體" pitchFamily="34" charset="-120"/>
                 <a:cs typeface="Calibri" panose="020F0502020204030204" pitchFamily="34" charset="0"/>
               </a:rPr>
-              <a:t> </a:t>
-            </a:r>
-            <a:r>
-              <a:rPr lang="en-US" sz="4000" b="1" dirty="0">
-                <a:solidFill>
-                  <a:srgbClr val="660033"/>
-                </a:solidFill>
-                <a:latin typeface="Calibri" panose="020F0502020204030204" pitchFamily="34" charset="0"/>
-                <a:ea typeface="微軟正黑體" pitchFamily="34" charset="-120"/>
-                <a:cs typeface="Calibri" panose="020F0502020204030204" pitchFamily="34" charset="0"/>
-              </a:rPr>
-              <a:t>con</a:t>
-            </a:r>
-            <a:endParaRPr lang="en-US" sz="4000" b="1" dirty="0">
-              <a:solidFill>
-                <a:srgbClr val="660033"/>
-              </a:solidFill>
-              <a:latin typeface="Calibri" panose="020F0502020204030204" pitchFamily="34" charset="0"/>
-              <a:ea typeface="微軟正黑體" pitchFamily="34" charset="-120"/>
-              <a:cs typeface="Calibri" panose="020F0502020204030204" pitchFamily="34" charset="0"/>
-            </a:endParaRPr>
+              <a:t> con</a:t>
+            </a:r>
           </a:p>
         </p:txBody>
       </p:sp>
@@ -7907,7 +7716,7 @@
               <a:t>( </a:t>
             </a:r>
             <a:r>
-              <a:rPr lang="zh-CN" altLang="en-US" sz="3600" b="1" dirty="0" smtClean="0">
+              <a:rPr lang="zh-CN" altLang="en-US" sz="3600" b="1" dirty="0">
                 <a:solidFill>
                   <a:srgbClr val="000066"/>
                 </a:solidFill>
@@ -7915,10 +7724,10 @@
                 <a:latin typeface="Microsoft JhengHei" panose="020B0604030504040204" pitchFamily="34" charset="-120"/>
                 <a:ea typeface="Microsoft JhengHei" panose="020B0604030504040204" pitchFamily="34" charset="-120"/>
               </a:rPr>
-              <a:t>前副</a:t>
-            </a:r>
-            <a:r>
-              <a:rPr lang="en-US" sz="3600" b="1" dirty="0" smtClean="0">
+              <a:t>前副歌</a:t>
+            </a:r>
+            <a:r>
+              <a:rPr lang="en-US" sz="3600" b="1" dirty="0">
                 <a:solidFill>
                   <a:srgbClr val="000066"/>
                 </a:solidFill>
@@ -7926,18 +7735,7 @@
                 <a:latin typeface="Microsoft JhengHei" panose="020B0604030504040204" pitchFamily="34" charset="-120"/>
                 <a:ea typeface="Microsoft JhengHei" panose="020B0604030504040204" pitchFamily="34" charset="-120"/>
               </a:rPr>
-              <a:t> </a:t>
-            </a:r>
-            <a:r>
-              <a:rPr lang="en-US" sz="3600" b="1" dirty="0">
-                <a:solidFill>
-                  <a:srgbClr val="000066"/>
-                </a:solidFill>
-                <a:effectLst/>
-                <a:latin typeface="Microsoft JhengHei" panose="020B0604030504040204" pitchFamily="34" charset="-120"/>
-                <a:ea typeface="Microsoft JhengHei" panose="020B0604030504040204" pitchFamily="34" charset="-120"/>
-              </a:rPr>
-              <a:t>)</a:t>
+              <a:t> )</a:t>
             </a:r>
             <a:endParaRPr lang="vi-VN" sz="3600" b="1" dirty="0">
               <a:solidFill>
@@ -8012,27 +7810,7 @@
                 <a:latin typeface="微軟正黑體" pitchFamily="34" charset="-120"/>
                 <a:ea typeface="微軟正黑體" pitchFamily="34" charset="-120"/>
               </a:rPr>
-              <a:t>讓我們獻</a:t>
-            </a:r>
-            <a:r>
-              <a:rPr lang="zh-TW" altLang="en-US" sz="6400" b="1" dirty="0">
-                <a:solidFill>
-                  <a:srgbClr val="000066"/>
-                </a:solidFill>
-                <a:latin typeface="微軟正黑體" pitchFamily="34" charset="-120"/>
-                <a:ea typeface="微軟正黑體" pitchFamily="34" charset="-120"/>
-              </a:rPr>
-              <a:t>上  獻上  將</a:t>
-            </a:r>
-            <a:r>
-              <a:rPr lang="zh-TW" altLang="en-US" sz="6400" b="1" dirty="0">
-                <a:solidFill>
-                  <a:srgbClr val="000066"/>
-                </a:solidFill>
-                <a:latin typeface="微軟正黑體" pitchFamily="34" charset="-120"/>
-                <a:ea typeface="微軟正黑體" pitchFamily="34" charset="-120"/>
-              </a:rPr>
-              <a:t>讚美尊榮</a:t>
+              <a:t>讓我們獻上  獻上  將讚美尊榮</a:t>
             </a:r>
             <a:endParaRPr lang="en-US" altLang="zh-CN" sz="6400" b="1" dirty="0">
               <a:solidFill>
@@ -8461,7 +8239,7 @@
               <a:t>( </a:t>
             </a:r>
             <a:r>
-              <a:rPr lang="zh-CN" altLang="en-US" sz="3600" b="1" dirty="0" smtClean="0">
+              <a:rPr lang="zh-CN" altLang="en-US" sz="3600" b="1" dirty="0">
                 <a:solidFill>
                   <a:srgbClr val="000066"/>
                 </a:solidFill>
@@ -8469,10 +8247,10 @@
                 <a:latin typeface="Microsoft JhengHei" panose="020B0604030504040204" pitchFamily="34" charset="-120"/>
                 <a:ea typeface="Microsoft JhengHei" panose="020B0604030504040204" pitchFamily="34" charset="-120"/>
               </a:rPr>
-              <a:t>副</a:t>
-            </a:r>
-            <a:r>
-              <a:rPr lang="en-US" sz="3600" b="1" dirty="0" smtClean="0">
+              <a:t>副歌</a:t>
+            </a:r>
+            <a:r>
+              <a:rPr lang="en-US" sz="3600" b="1" dirty="0">
                 <a:solidFill>
                   <a:srgbClr val="000066"/>
                 </a:solidFill>
@@ -8480,18 +8258,7 @@
                 <a:latin typeface="Microsoft JhengHei" panose="020B0604030504040204" pitchFamily="34" charset="-120"/>
                 <a:ea typeface="Microsoft JhengHei" panose="020B0604030504040204" pitchFamily="34" charset="-120"/>
               </a:rPr>
-              <a:t> </a:t>
-            </a:r>
-            <a:r>
-              <a:rPr lang="en-US" sz="3600" b="1" dirty="0">
-                <a:solidFill>
-                  <a:srgbClr val="000066"/>
-                </a:solidFill>
-                <a:effectLst/>
-                <a:latin typeface="Microsoft JhengHei" panose="020B0604030504040204" pitchFamily="34" charset="-120"/>
-                <a:ea typeface="Microsoft JhengHei" panose="020B0604030504040204" pitchFamily="34" charset="-120"/>
-              </a:rPr>
-              <a:t>)</a:t>
+              <a:t> )</a:t>
             </a:r>
             <a:endParaRPr lang="vi-VN" sz="3600" b="1" dirty="0">
               <a:solidFill>
